--- a/PBL-5/프레젠테이션1.pptx
+++ b/PBL-5/프레젠테이션1.pptx
@@ -3342,53 +3342,493 @@
           <a:chExt cx="0" cy="0"/>
         </a:xfrm>
       </p:grpSpPr>
-      <p:sp>
-        <p:nvSpPr>
-          <p:cNvPr id="2" name="제목 1">
-            <a:extLst>
-              <a:ext uri="{FF2B5EF4-FFF2-40B4-BE49-F238E27FC236}">
-                <a16:creationId xmlns:a16="http://schemas.microsoft.com/office/drawing/2014/main" id="{706E33E7-484B-82CC-D03E-DE998CEB305F}"/>
-              </a:ext>
-            </a:extLst>
-          </p:cNvPr>
-          <p:cNvSpPr>
-            <a:spLocks noGrp="1"/>
-          </p:cNvSpPr>
-          <p:nvPr>
-            <p:ph type="ctrTitle"/>
-          </p:nvPr>
-        </p:nvSpPr>
-        <p:spPr/>
-        <p:txBody>
-          <a:bodyPr/>
-          <a:lstStyle/>
-          <a:p>
-            <a:endParaRPr kumimoji="1" lang="ko-Kore-KR" altLang="en-US"/>
-          </a:p>
-        </p:txBody>
-      </p:sp>
-      <p:sp>
-        <p:nvSpPr>
-          <p:cNvPr id="3" name="부제목 2">
-            <a:extLst>
-              <a:ext uri="{FF2B5EF4-FFF2-40B4-BE49-F238E27FC236}">
-                <a16:creationId xmlns:a16="http://schemas.microsoft.com/office/drawing/2014/main" id="{774D8891-EB73-F22A-20C4-839D73089D23}"/>
-              </a:ext>
-            </a:extLst>
-          </p:cNvPr>
-          <p:cNvSpPr>
-            <a:spLocks noGrp="1"/>
-          </p:cNvSpPr>
-          <p:nvPr>
-            <p:ph type="subTitle" idx="1"/>
-          </p:nvPr>
-        </p:nvSpPr>
-        <p:spPr/>
-        <p:txBody>
-          <a:bodyPr/>
-          <a:lstStyle/>
-          <a:p>
-            <a:endParaRPr kumimoji="1" lang="ko-Kore-KR" altLang="en-US"/>
+      <p:pic>
+        <p:nvPicPr>
+          <p:cNvPr id="9" name="그림 8" descr="텍스트, 스크린샷, 번호, 폰트이(가) 표시된 사진&#10;&#10;자동 생성된 설명">
+            <a:extLst>
+              <a:ext uri="{FF2B5EF4-FFF2-40B4-BE49-F238E27FC236}">
+                <a16:creationId xmlns:a16="http://schemas.microsoft.com/office/drawing/2014/main" id="{9913F3E4-E755-BE92-EB67-73D6ABE413EA}"/>
+              </a:ext>
+            </a:extLst>
+          </p:cNvPr>
+          <p:cNvPicPr>
+            <a:picLocks noChangeAspect="1"/>
+          </p:cNvPicPr>
+          <p:nvPr/>
+        </p:nvPicPr>
+        <p:blipFill>
+          <a:blip r:embed="rId2"/>
+          <a:stretch>
+            <a:fillRect/>
+          </a:stretch>
+        </p:blipFill>
+        <p:spPr>
+          <a:xfrm>
+            <a:off x="1616311" y="-3608614"/>
+            <a:ext cx="5698890" cy="3231493"/>
+          </a:xfrm>
+          <a:prstGeom prst="rect">
+            <a:avLst/>
+          </a:prstGeom>
+        </p:spPr>
+      </p:pic>
+      <p:sp>
+        <p:nvSpPr>
+          <p:cNvPr id="10" name="모서리가 둥근 직사각형 9">
+            <a:extLst>
+              <a:ext uri="{FF2B5EF4-FFF2-40B4-BE49-F238E27FC236}">
+                <a16:creationId xmlns:a16="http://schemas.microsoft.com/office/drawing/2014/main" id="{3292DE32-689F-68D4-C218-5E7E190567ED}"/>
+              </a:ext>
+            </a:extLst>
+          </p:cNvPr>
+          <p:cNvSpPr/>
+          <p:nvPr/>
+        </p:nvSpPr>
+        <p:spPr>
+          <a:xfrm>
+            <a:off x="701911" y="264045"/>
+            <a:ext cx="10788177" cy="7150545"/>
+          </a:xfrm>
+          <a:prstGeom prst="roundRect">
+            <a:avLst/>
+          </a:prstGeom>
+          <a:noFill/>
+        </p:spPr>
+        <p:style>
+          <a:lnRef idx="2">
+            <a:schemeClr val="accent1">
+              <a:shade val="15000"/>
+            </a:schemeClr>
+          </a:lnRef>
+          <a:fillRef idx="1">
+            <a:schemeClr val="accent1"/>
+          </a:fillRef>
+          <a:effectRef idx="0">
+            <a:schemeClr val="accent1"/>
+          </a:effectRef>
+          <a:fontRef idx="minor">
+            <a:schemeClr val="lt1"/>
+          </a:fontRef>
+        </p:style>
+        <p:txBody>
+          <a:bodyPr rtlCol="0" anchor="ctr"/>
+          <a:lstStyle/>
+          <a:p>
+            <a:pPr algn="ctr"/>
+            <a:endParaRPr kumimoji="1" lang="ko-Kore-KR" altLang="en-US" sz="3600" dirty="0">
+              <a:solidFill>
+                <a:schemeClr val="tx1"/>
+              </a:solidFill>
+            </a:endParaRPr>
+          </a:p>
+        </p:txBody>
+      </p:sp>
+      <p:sp>
+        <p:nvSpPr>
+          <p:cNvPr id="11" name="모서리가 둥근 직사각형 10">
+            <a:extLst>
+              <a:ext uri="{FF2B5EF4-FFF2-40B4-BE49-F238E27FC236}">
+                <a16:creationId xmlns:a16="http://schemas.microsoft.com/office/drawing/2014/main" id="{68245A93-7A05-CC78-DFBA-CB439715004A}"/>
+              </a:ext>
+            </a:extLst>
+          </p:cNvPr>
+          <p:cNvSpPr/>
+          <p:nvPr/>
+        </p:nvSpPr>
+        <p:spPr>
+          <a:xfrm>
+            <a:off x="701906" y="1687460"/>
+            <a:ext cx="10788177" cy="4906496"/>
+          </a:xfrm>
+          <a:prstGeom prst="roundRect">
+            <a:avLst/>
+          </a:prstGeom>
+          <a:noFill/>
+        </p:spPr>
+        <p:style>
+          <a:lnRef idx="2">
+            <a:schemeClr val="accent1">
+              <a:shade val="15000"/>
+            </a:schemeClr>
+          </a:lnRef>
+          <a:fillRef idx="1">
+            <a:schemeClr val="accent1"/>
+          </a:fillRef>
+          <a:effectRef idx="0">
+            <a:schemeClr val="accent1"/>
+          </a:effectRef>
+          <a:fontRef idx="minor">
+            <a:schemeClr val="lt1"/>
+          </a:fontRef>
+        </p:style>
+        <p:txBody>
+          <a:bodyPr rtlCol="0" anchor="ctr"/>
+          <a:lstStyle/>
+          <a:p>
+            <a:pPr algn="ctr"/>
+            <a:r>
+              <a:rPr kumimoji="1" lang="en-US" altLang="ko-Kore-KR" sz="3600" dirty="0" err="1">
+                <a:solidFill>
+                  <a:schemeClr val="tx1"/>
+                </a:solidFill>
+              </a:rPr>
+              <a:t>InputListForm</a:t>
+            </a:r>
+            <a:endParaRPr kumimoji="1" lang="en-US" altLang="ko-Kore-KR" sz="3600" dirty="0">
+              <a:solidFill>
+                <a:schemeClr val="tx1"/>
+              </a:solidFill>
+            </a:endParaRPr>
+          </a:p>
+          <a:p>
+            <a:pPr algn="ctr"/>
+            <a:endParaRPr kumimoji="1" lang="en-US" altLang="ko-Kore-KR" sz="3600" dirty="0">
+              <a:solidFill>
+                <a:schemeClr val="tx1"/>
+              </a:solidFill>
+            </a:endParaRPr>
+          </a:p>
+          <a:p>
+            <a:pPr algn="ctr"/>
+            <a:endParaRPr kumimoji="1" lang="en-US" altLang="ko-Kore-KR" sz="3600" dirty="0">
+              <a:solidFill>
+                <a:schemeClr val="tx1"/>
+              </a:solidFill>
+            </a:endParaRPr>
+          </a:p>
+          <a:p>
+            <a:pPr algn="ctr"/>
+            <a:endParaRPr kumimoji="1" lang="en-US" altLang="ko-Kore-KR" sz="3600" dirty="0">
+              <a:solidFill>
+                <a:schemeClr val="tx1"/>
+              </a:solidFill>
+            </a:endParaRPr>
+          </a:p>
+          <a:p>
+            <a:pPr algn="ctr"/>
+            <a:endParaRPr kumimoji="1" lang="en-US" altLang="ko-Kore-KR" sz="3600" dirty="0">
+              <a:solidFill>
+                <a:schemeClr val="tx1"/>
+              </a:solidFill>
+            </a:endParaRPr>
+          </a:p>
+          <a:p>
+            <a:pPr algn="ctr"/>
+            <a:endParaRPr kumimoji="1" lang="en-US" altLang="ko-Kore-KR" sz="3600" dirty="0">
+              <a:solidFill>
+                <a:schemeClr val="tx1"/>
+              </a:solidFill>
+            </a:endParaRPr>
+          </a:p>
+          <a:p>
+            <a:pPr algn="ctr"/>
+            <a:endParaRPr kumimoji="1" lang="en-US" altLang="ko-Kore-KR" sz="3600" dirty="0">
+              <a:solidFill>
+                <a:schemeClr val="tx1"/>
+              </a:solidFill>
+            </a:endParaRPr>
+          </a:p>
+          <a:p>
+            <a:pPr algn="ctr"/>
+            <a:endParaRPr kumimoji="1" lang="en-US" altLang="ko-Kore-KR" sz="3600" dirty="0">
+              <a:solidFill>
+                <a:schemeClr val="tx1"/>
+              </a:solidFill>
+            </a:endParaRPr>
+          </a:p>
+          <a:p>
+            <a:pPr algn="ctr"/>
+            <a:endParaRPr kumimoji="1" lang="en-US" altLang="ko-Kore-KR" sz="3600" dirty="0">
+              <a:solidFill>
+                <a:schemeClr val="tx1"/>
+              </a:solidFill>
+            </a:endParaRPr>
+          </a:p>
+        </p:txBody>
+      </p:sp>
+      <p:sp>
+        <p:nvSpPr>
+          <p:cNvPr id="12" name="모서리가 둥근 직사각형 11">
+            <a:extLst>
+              <a:ext uri="{FF2B5EF4-FFF2-40B4-BE49-F238E27FC236}">
+                <a16:creationId xmlns:a16="http://schemas.microsoft.com/office/drawing/2014/main" id="{0F16DE7B-EBA1-05DE-D3BD-FA06181224DA}"/>
+              </a:ext>
+            </a:extLst>
+          </p:cNvPr>
+          <p:cNvSpPr/>
+          <p:nvPr/>
+        </p:nvSpPr>
+        <p:spPr>
+          <a:xfrm>
+            <a:off x="1172816" y="3843126"/>
+            <a:ext cx="9760226" cy="2759269"/>
+          </a:xfrm>
+          <a:prstGeom prst="roundRect">
+            <a:avLst/>
+          </a:prstGeom>
+          <a:noFill/>
+        </p:spPr>
+        <p:style>
+          <a:lnRef idx="2">
+            <a:schemeClr val="accent1">
+              <a:shade val="15000"/>
+            </a:schemeClr>
+          </a:lnRef>
+          <a:fillRef idx="1">
+            <a:schemeClr val="accent1"/>
+          </a:fillRef>
+          <a:effectRef idx="0">
+            <a:schemeClr val="accent1"/>
+          </a:effectRef>
+          <a:fontRef idx="minor">
+            <a:schemeClr val="lt1"/>
+          </a:fontRef>
+        </p:style>
+        <p:txBody>
+          <a:bodyPr rtlCol="0" anchor="ctr"/>
+          <a:lstStyle/>
+          <a:p>
+            <a:pPr algn="ctr"/>
+            <a:r>
+              <a:rPr kumimoji="1" lang="en-US" altLang="ko-Kore-KR" sz="3600" dirty="0" err="1">
+                <a:solidFill>
+                  <a:schemeClr val="tx1"/>
+                </a:solidFill>
+              </a:rPr>
+              <a:t>ExpensesLists</a:t>
+            </a:r>
+            <a:r>
+              <a:rPr kumimoji="1" lang="en-US" altLang="ko-Kore-KR" sz="3600" dirty="0">
+                <a:solidFill>
+                  <a:schemeClr val="tx1"/>
+                </a:solidFill>
+              </a:rPr>
+              <a:t>:</a:t>
+            </a:r>
+          </a:p>
+          <a:p>
+            <a:pPr algn="ctr"/>
+            <a:r>
+              <a:rPr kumimoji="1" lang="en-US" altLang="ko-Kore-KR" sz="3600" dirty="0">
+                <a:solidFill>
+                  <a:schemeClr val="tx1"/>
+                </a:solidFill>
+              </a:rPr>
+              <a:t>Delete : Only type  =&gt; alert, DELETE</a:t>
+            </a:r>
+          </a:p>
+          <a:p>
+            <a:pPr algn="ctr"/>
+            <a:r>
+              <a:rPr kumimoji="1" lang="en-US" altLang="ko-Kore-KR" sz="3600" dirty="0" err="1">
+                <a:solidFill>
+                  <a:schemeClr val="tx1"/>
+                </a:solidFill>
+              </a:rPr>
+              <a:t>expensesLists</a:t>
+            </a:r>
+            <a:r>
+              <a:rPr kumimoji="1" lang="en-US" altLang="ko-Kore-KR" sz="3600" dirty="0">
+                <a:solidFill>
+                  <a:schemeClr val="tx1"/>
+                </a:solidFill>
+              </a:rPr>
+              <a:t> =&gt; filter, Expenses </a:t>
+            </a:r>
+          </a:p>
+          <a:p>
+            <a:pPr algn="ctr"/>
+            <a:r>
+              <a:rPr kumimoji="1" lang="en-US" altLang="ko-Kore-KR" sz="3600" dirty="0">
+                <a:solidFill>
+                  <a:schemeClr val="tx1"/>
+                </a:solidFill>
+              </a:rPr>
+              <a:t>Edit : Only type  =&gt;  alert, EDIT</a:t>
+            </a:r>
+          </a:p>
+          <a:p>
+            <a:pPr algn="ctr"/>
+            <a:r>
+              <a:rPr kumimoji="1" lang="en-US" altLang="ko-Kore-KR" sz="3600" dirty="0" err="1">
+                <a:solidFill>
+                  <a:schemeClr val="tx1"/>
+                </a:solidFill>
+              </a:rPr>
+              <a:t>expensesLists</a:t>
+            </a:r>
+            <a:r>
+              <a:rPr kumimoji="1" lang="en-US" altLang="ko-Kore-KR" sz="3600" dirty="0">
+                <a:solidFill>
+                  <a:schemeClr val="tx1"/>
+                </a:solidFill>
+              </a:rPr>
+              <a:t> =&gt; filter, Expenses </a:t>
+            </a:r>
+          </a:p>
+        </p:txBody>
+      </p:sp>
+      <p:sp>
+        <p:nvSpPr>
+          <p:cNvPr id="13" name="모서리가 둥근 직사각형 12">
+            <a:extLst>
+              <a:ext uri="{FF2B5EF4-FFF2-40B4-BE49-F238E27FC236}">
+                <a16:creationId xmlns:a16="http://schemas.microsoft.com/office/drawing/2014/main" id="{AE8C4F51-F2A4-F59A-3185-27FF27C477E5}"/>
+              </a:ext>
+            </a:extLst>
+          </p:cNvPr>
+          <p:cNvSpPr/>
+          <p:nvPr/>
+        </p:nvSpPr>
+        <p:spPr>
+          <a:xfrm>
+            <a:off x="874642" y="633172"/>
+            <a:ext cx="10356575" cy="685160"/>
+          </a:xfrm>
+          <a:prstGeom prst="roundRect">
+            <a:avLst/>
+          </a:prstGeom>
+          <a:noFill/>
+        </p:spPr>
+        <p:style>
+          <a:lnRef idx="2">
+            <a:schemeClr val="accent1">
+              <a:shade val="15000"/>
+            </a:schemeClr>
+          </a:lnRef>
+          <a:fillRef idx="1">
+            <a:schemeClr val="accent1"/>
+          </a:fillRef>
+          <a:effectRef idx="0">
+            <a:schemeClr val="accent1"/>
+          </a:effectRef>
+          <a:fontRef idx="minor">
+            <a:schemeClr val="lt1"/>
+          </a:fontRef>
+        </p:style>
+        <p:txBody>
+          <a:bodyPr rtlCol="0" anchor="ctr"/>
+          <a:lstStyle/>
+          <a:p>
+            <a:pPr algn="ctr"/>
+            <a:r>
+              <a:rPr kumimoji="1" lang="en-US" altLang="ko-Kore-KR" sz="3600" dirty="0">
+                <a:solidFill>
+                  <a:schemeClr val="tx1"/>
+                </a:solidFill>
+              </a:rPr>
+              <a:t>alert</a:t>
+            </a:r>
+            <a:endParaRPr kumimoji="1" lang="ko-Kore-KR" altLang="en-US" sz="3600" dirty="0">
+              <a:solidFill>
+                <a:schemeClr val="tx1"/>
+              </a:solidFill>
+            </a:endParaRPr>
+          </a:p>
+        </p:txBody>
+      </p:sp>
+      <p:sp>
+        <p:nvSpPr>
+          <p:cNvPr id="14" name="모서리가 둥근 직사각형 13">
+            <a:extLst>
+              <a:ext uri="{FF2B5EF4-FFF2-40B4-BE49-F238E27FC236}">
+                <a16:creationId xmlns:a16="http://schemas.microsoft.com/office/drawing/2014/main" id="{F90502A6-580D-B78F-4218-C5314CEA89DC}"/>
+              </a:ext>
+            </a:extLst>
+          </p:cNvPr>
+          <p:cNvSpPr/>
+          <p:nvPr/>
+        </p:nvSpPr>
+        <p:spPr>
+          <a:xfrm>
+            <a:off x="1311965" y="2155317"/>
+            <a:ext cx="9760226" cy="1403877"/>
+          </a:xfrm>
+          <a:prstGeom prst="roundRect">
+            <a:avLst/>
+          </a:prstGeom>
+          <a:noFill/>
+        </p:spPr>
+        <p:style>
+          <a:lnRef idx="2">
+            <a:schemeClr val="accent1">
+              <a:shade val="15000"/>
+            </a:schemeClr>
+          </a:lnRef>
+          <a:fillRef idx="1">
+            <a:schemeClr val="accent1"/>
+          </a:fillRef>
+          <a:effectRef idx="0">
+            <a:schemeClr val="accent1"/>
+          </a:effectRef>
+          <a:fontRef idx="minor">
+            <a:schemeClr val="lt1"/>
+          </a:fontRef>
+        </p:style>
+        <p:txBody>
+          <a:bodyPr rtlCol="0" anchor="ctr"/>
+          <a:lstStyle/>
+          <a:p>
+            <a:pPr algn="ctr"/>
+            <a:r>
+              <a:rPr kumimoji="1" lang="en-US" altLang="ko-Kore-KR" sz="3600" dirty="0" err="1">
+                <a:solidFill>
+                  <a:schemeClr val="tx1"/>
+                </a:solidFill>
+              </a:rPr>
+              <a:t>InputForm</a:t>
+            </a:r>
+            <a:r>
+              <a:rPr kumimoji="1" lang="en-US" altLang="ko-Kore-KR" sz="3600" dirty="0">
+                <a:solidFill>
+                  <a:schemeClr val="tx1"/>
+                </a:solidFill>
+              </a:rPr>
+              <a:t>: </a:t>
+            </a:r>
+          </a:p>
+          <a:p>
+            <a:pPr algn="ctr"/>
+            <a:r>
+              <a:rPr kumimoji="1" lang="en-US" altLang="ko-Kore-KR" sz="3600" dirty="0">
+                <a:solidFill>
+                  <a:schemeClr val="tx1"/>
+                </a:solidFill>
+              </a:rPr>
+              <a:t>Only type =&gt; alert, CREATE </a:t>
+            </a:r>
+          </a:p>
+          <a:p>
+            <a:pPr algn="ctr"/>
+            <a:r>
+              <a:rPr kumimoji="1" lang="en-US" altLang="ko-Kore-KR" sz="3600" dirty="0">
+                <a:solidFill>
+                  <a:schemeClr val="tx1"/>
+                </a:solidFill>
+              </a:rPr>
+              <a:t>input data =&gt; </a:t>
+            </a:r>
+            <a:r>
+              <a:rPr kumimoji="1" lang="en-US" altLang="ko-Kore-KR" sz="3600" dirty="0" err="1">
+                <a:solidFill>
+                  <a:schemeClr val="tx1"/>
+                </a:solidFill>
+              </a:rPr>
+              <a:t>expensesLists</a:t>
+            </a:r>
+            <a:r>
+              <a:rPr kumimoji="1" lang="en-US" altLang="ko-Kore-KR" sz="3600" dirty="0">
+                <a:solidFill>
+                  <a:schemeClr val="tx1"/>
+                </a:solidFill>
+              </a:rPr>
+              <a:t>, Expenses</a:t>
+            </a:r>
+            <a:endParaRPr kumimoji="1" lang="ko-Kore-KR" altLang="en-US" sz="3600" dirty="0">
+              <a:solidFill>
+                <a:schemeClr val="tx1"/>
+              </a:solidFill>
+            </a:endParaRPr>
           </a:p>
         </p:txBody>
       </p:sp>
